--- a/발표자료/20230623_북부청사 발표/프롬프트 실습(북부청사).pptx
+++ b/발표자료/20230623_북부청사 발표/프롬프트 실습(북부청사).pptx
@@ -290,7 +290,7 @@
           <a:p>
             <a:fld id="{4A5A8114-1E97-441C-9068-A84206930F79}" type="datetimeFigureOut">
               <a:rPr lang="ko-KR" altLang="en-US" smtClean="0"/>
-              <a:t>2023-06-26</a:t>
+              <a:t>2023-06-27</a:t>
             </a:fld>
             <a:endParaRPr lang="ko-KR" altLang="en-US" dirty="0"/>
           </a:p>
@@ -458,7 +458,7 @@
           <a:p>
             <a:fld id="{4A5A8114-1E97-441C-9068-A84206930F79}" type="datetimeFigureOut">
               <a:rPr lang="ko-KR" altLang="en-US" smtClean="0"/>
-              <a:t>2023-06-26</a:t>
+              <a:t>2023-06-27</a:t>
             </a:fld>
             <a:endParaRPr lang="ko-KR" altLang="en-US" dirty="0"/>
           </a:p>
@@ -636,7 +636,7 @@
           <a:p>
             <a:fld id="{4A5A8114-1E97-441C-9068-A84206930F79}" type="datetimeFigureOut">
               <a:rPr lang="ko-KR" altLang="en-US" smtClean="0"/>
-              <a:t>2023-06-26</a:t>
+              <a:t>2023-06-27</a:t>
             </a:fld>
             <a:endParaRPr lang="ko-KR" altLang="en-US" dirty="0"/>
           </a:p>
@@ -804,7 +804,7 @@
           <a:p>
             <a:fld id="{4A5A8114-1E97-441C-9068-A84206930F79}" type="datetimeFigureOut">
               <a:rPr lang="ko-KR" altLang="en-US" smtClean="0"/>
-              <a:t>2023-06-26</a:t>
+              <a:t>2023-06-27</a:t>
             </a:fld>
             <a:endParaRPr lang="ko-KR" altLang="en-US" dirty="0"/>
           </a:p>
@@ -1049,7 +1049,7 @@
           <a:p>
             <a:fld id="{4A5A8114-1E97-441C-9068-A84206930F79}" type="datetimeFigureOut">
               <a:rPr lang="ko-KR" altLang="en-US" smtClean="0"/>
-              <a:t>2023-06-26</a:t>
+              <a:t>2023-06-27</a:t>
             </a:fld>
             <a:endParaRPr lang="ko-KR" altLang="en-US" dirty="0"/>
           </a:p>
@@ -1278,7 +1278,7 @@
           <a:p>
             <a:fld id="{4A5A8114-1E97-441C-9068-A84206930F79}" type="datetimeFigureOut">
               <a:rPr lang="ko-KR" altLang="en-US" smtClean="0"/>
-              <a:t>2023-06-26</a:t>
+              <a:t>2023-06-27</a:t>
             </a:fld>
             <a:endParaRPr lang="ko-KR" altLang="en-US" dirty="0"/>
           </a:p>
@@ -1642,7 +1642,7 @@
           <a:p>
             <a:fld id="{4A5A8114-1E97-441C-9068-A84206930F79}" type="datetimeFigureOut">
               <a:rPr lang="ko-KR" altLang="en-US" smtClean="0"/>
-              <a:t>2023-06-26</a:t>
+              <a:t>2023-06-27</a:t>
             </a:fld>
             <a:endParaRPr lang="ko-KR" altLang="en-US" dirty="0"/>
           </a:p>
@@ -1759,7 +1759,7 @@
           <a:p>
             <a:fld id="{4A5A8114-1E97-441C-9068-A84206930F79}" type="datetimeFigureOut">
               <a:rPr lang="ko-KR" altLang="en-US" smtClean="0"/>
-              <a:t>2023-06-26</a:t>
+              <a:t>2023-06-27</a:t>
             </a:fld>
             <a:endParaRPr lang="ko-KR" altLang="en-US" dirty="0"/>
           </a:p>
@@ -1854,7 +1854,7 @@
           <a:p>
             <a:fld id="{4A5A8114-1E97-441C-9068-A84206930F79}" type="datetimeFigureOut">
               <a:rPr lang="ko-KR" altLang="en-US" smtClean="0"/>
-              <a:t>2023-06-26</a:t>
+              <a:t>2023-06-27</a:t>
             </a:fld>
             <a:endParaRPr lang="ko-KR" altLang="en-US" dirty="0"/>
           </a:p>
@@ -2129,7 +2129,7 @@
           <a:p>
             <a:fld id="{4A5A8114-1E97-441C-9068-A84206930F79}" type="datetimeFigureOut">
               <a:rPr lang="ko-KR" altLang="en-US" smtClean="0"/>
-              <a:t>2023-06-26</a:t>
+              <a:t>2023-06-27</a:t>
             </a:fld>
             <a:endParaRPr lang="ko-KR" altLang="en-US" dirty="0"/>
           </a:p>
@@ -2381,7 +2381,7 @@
           <a:p>
             <a:fld id="{4A5A8114-1E97-441C-9068-A84206930F79}" type="datetimeFigureOut">
               <a:rPr lang="ko-KR" altLang="en-US" smtClean="0"/>
-              <a:t>2023-06-26</a:t>
+              <a:t>2023-06-27</a:t>
             </a:fld>
             <a:endParaRPr lang="ko-KR" altLang="en-US" dirty="0"/>
           </a:p>
@@ -2592,7 +2592,7 @@
           <a:p>
             <a:fld id="{4A5A8114-1E97-441C-9068-A84206930F79}" type="datetimeFigureOut">
               <a:rPr lang="ko-KR" altLang="en-US" smtClean="0"/>
-              <a:t>2023-06-26</a:t>
+              <a:t>2023-06-27</a:t>
             </a:fld>
             <a:endParaRPr lang="ko-KR" altLang="en-US" dirty="0"/>
           </a:p>
@@ -3314,8 +3314,8 @@
         </p:blipFill>
         <p:spPr>
           <a:xfrm>
-            <a:off x="9556282" y="1690688"/>
-            <a:ext cx="1953894" cy="1863945"/>
+            <a:off x="9646725" y="1916743"/>
+            <a:ext cx="1707075" cy="1628489"/>
           </a:xfrm>
           <a:prstGeom prst="rect">
             <a:avLst/>
@@ -3330,8 +3330,8 @@
         </p:nvSpPr>
         <p:spPr>
           <a:xfrm>
-            <a:off x="7714211" y="1111825"/>
-            <a:ext cx="4405745" cy="646331"/>
+            <a:off x="7913406" y="1367522"/>
+            <a:ext cx="4215096" cy="646331"/>
           </a:xfrm>
           <a:prstGeom prst="rect">
             <a:avLst/>
@@ -3386,14 +3386,15 @@
         <p:nvCxnSpPr>
           <p:cNvPr id="6" name="직선 화살표 연결선 5"/>
           <p:cNvCxnSpPr>
+            <a:cxnSpLocks/>
             <a:stCxn id="5" idx="1"/>
           </p:cNvCxnSpPr>
           <p:nvPr/>
         </p:nvCxnSpPr>
         <p:spPr>
           <a:xfrm flipH="1">
-            <a:off x="3724103" y="1434991"/>
-            <a:ext cx="3990108" cy="1657344"/>
+            <a:off x="3478138" y="1690688"/>
+            <a:ext cx="4435268" cy="1437073"/>
           </a:xfrm>
           <a:prstGeom prst="straightConnector1">
             <a:avLst/>
@@ -4427,7 +4428,7 @@
         <p:spPr/>
         <p:txBody>
           <a:bodyPr>
-            <a:normAutofit fontScale="92500" lnSpcReduction="20000"/>
+            <a:normAutofit fontScale="92500" lnSpcReduction="10000"/>
           </a:bodyPr>
           <a:lstStyle/>
           <a:p>
@@ -4653,10 +4654,10 @@
               <a:t>? </a:t>
             </a:r>
             <a:r>
-              <a:rPr lang="ko-KR" altLang="en-US" b="1" dirty="0" err="1" smtClean="0"/>
+              <a:rPr lang="ko-KR" altLang="en-US" b="1" dirty="0" err="1"/>
               <a:t>업무자동화</a:t>
             </a:r>
-            <a:endParaRPr lang="en-US" altLang="ko-KR" b="1" dirty="0" smtClean="0"/>
+            <a:endParaRPr lang="en-US" altLang="ko-KR" b="1" dirty="0"/>
           </a:p>
           <a:p>
             <a:pPr marL="514350" indent="-514350" algn="just">
@@ -4666,12 +4667,8 @@
               <a:buAutoNum type="arabicPeriod"/>
             </a:pPr>
             <a:r>
-              <a:rPr lang="ko-KR" altLang="en-US" b="1" dirty="0" smtClean="0"/>
-              <a:t>몰라서 </a:t>
-            </a:r>
-            <a:r>
               <a:rPr lang="ko-KR" altLang="en-US" b="1" dirty="0"/>
-              <a:t>못 하는 거야</a:t>
+              <a:t>몰라서 못 하는 거야</a:t>
             </a:r>
             <a:r>
               <a:rPr lang="en-US" altLang="ko-KR" b="1" dirty="0"/>
@@ -5390,22 +5387,18 @@
           <a:p>
             <a:r>
               <a:rPr lang="ko-KR" altLang="en-US" b="1" dirty="0"/>
-              <a:t>사진 </a:t>
-            </a:r>
-            <a:r>
-              <a:rPr lang="ko-KR" altLang="en-US" b="1" dirty="0" smtClean="0"/>
-              <a:t>사이즈 변경하기</a:t>
-            </a:r>
-            <a:r>
-              <a:rPr lang="en-US" altLang="ko-KR" b="1" dirty="0" smtClean="0"/>
+              <a:t>사진 사이즈 변경하기</a:t>
+            </a:r>
+            <a:r>
+              <a:rPr lang="en-US" altLang="ko-KR" b="1" dirty="0"/>
               <a:t>(</a:t>
             </a:r>
             <a:r>
-              <a:rPr lang="ko-KR" altLang="en-US" b="1" dirty="0" smtClean="0"/>
+              <a:rPr lang="ko-KR" altLang="en-US" b="1" dirty="0"/>
               <a:t>기본</a:t>
             </a:r>
             <a:r>
-              <a:rPr lang="en-US" altLang="ko-KR" b="1" dirty="0" smtClean="0"/>
+              <a:rPr lang="en-US" altLang="ko-KR" b="1" dirty="0"/>
               <a:t>)</a:t>
             </a:r>
             <a:endParaRPr lang="ko-KR" altLang="en-US" dirty="0"/>
@@ -5433,12 +5426,8 @@
               </a:lnSpc>
             </a:pPr>
             <a:r>
-              <a:rPr lang="en-US" altLang="ko-KR" dirty="0" smtClean="0"/>
-              <a:t>PowerPoint </a:t>
-            </a:r>
-            <a:r>
-              <a:rPr lang="en-US" altLang="ko-KR" dirty="0"/>
-              <a:t>2016</a:t>
+              <a:rPr lang="en-US" altLang="ko-KR" dirty="0"/>
+              <a:t>PowerPoint 2016</a:t>
             </a:r>
             <a:r>
               <a:rPr lang="ko-KR" altLang="en-US" dirty="0"/>
@@ -9571,7 +9560,7 @@
         <p:spPr/>
         <p:txBody>
           <a:bodyPr>
-            <a:normAutofit fontScale="92500" lnSpcReduction="20000"/>
+            <a:normAutofit fontScale="92500"/>
           </a:bodyPr>
           <a:lstStyle/>
           <a:p>
@@ -12162,7 +12151,7 @@
         <p:spPr/>
         <p:txBody>
           <a:bodyPr>
-            <a:normAutofit lnSpcReduction="10000"/>
+            <a:normAutofit/>
           </a:bodyPr>
           <a:lstStyle/>
           <a:p>

--- a/발표자료/20230623_북부청사 발표/프롬프트 실습(북부청사).pptx
+++ b/발표자료/20230623_북부청사 발표/프롬프트 실습(북부청사).pptx
@@ -290,7 +290,7 @@
           <a:p>
             <a:fld id="{4A5A8114-1E97-441C-9068-A84206930F79}" type="datetimeFigureOut">
               <a:rPr lang="ko-KR" altLang="en-US" smtClean="0"/>
-              <a:t>2023-06-27</a:t>
+              <a:t>2023-06-30</a:t>
             </a:fld>
             <a:endParaRPr lang="ko-KR" altLang="en-US" dirty="0"/>
           </a:p>
@@ -458,7 +458,7 @@
           <a:p>
             <a:fld id="{4A5A8114-1E97-441C-9068-A84206930F79}" type="datetimeFigureOut">
               <a:rPr lang="ko-KR" altLang="en-US" smtClean="0"/>
-              <a:t>2023-06-27</a:t>
+              <a:t>2023-06-30</a:t>
             </a:fld>
             <a:endParaRPr lang="ko-KR" altLang="en-US" dirty="0"/>
           </a:p>
@@ -636,7 +636,7 @@
           <a:p>
             <a:fld id="{4A5A8114-1E97-441C-9068-A84206930F79}" type="datetimeFigureOut">
               <a:rPr lang="ko-KR" altLang="en-US" smtClean="0"/>
-              <a:t>2023-06-27</a:t>
+              <a:t>2023-06-30</a:t>
             </a:fld>
             <a:endParaRPr lang="ko-KR" altLang="en-US" dirty="0"/>
           </a:p>
@@ -804,7 +804,7 @@
           <a:p>
             <a:fld id="{4A5A8114-1E97-441C-9068-A84206930F79}" type="datetimeFigureOut">
               <a:rPr lang="ko-KR" altLang="en-US" smtClean="0"/>
-              <a:t>2023-06-27</a:t>
+              <a:t>2023-06-30</a:t>
             </a:fld>
             <a:endParaRPr lang="ko-KR" altLang="en-US" dirty="0"/>
           </a:p>
@@ -1049,7 +1049,7 @@
           <a:p>
             <a:fld id="{4A5A8114-1E97-441C-9068-A84206930F79}" type="datetimeFigureOut">
               <a:rPr lang="ko-KR" altLang="en-US" smtClean="0"/>
-              <a:t>2023-06-27</a:t>
+              <a:t>2023-06-30</a:t>
             </a:fld>
             <a:endParaRPr lang="ko-KR" altLang="en-US" dirty="0"/>
           </a:p>
@@ -1278,7 +1278,7 @@
           <a:p>
             <a:fld id="{4A5A8114-1E97-441C-9068-A84206930F79}" type="datetimeFigureOut">
               <a:rPr lang="ko-KR" altLang="en-US" smtClean="0"/>
-              <a:t>2023-06-27</a:t>
+              <a:t>2023-06-30</a:t>
             </a:fld>
             <a:endParaRPr lang="ko-KR" altLang="en-US" dirty="0"/>
           </a:p>
@@ -1642,7 +1642,7 @@
           <a:p>
             <a:fld id="{4A5A8114-1E97-441C-9068-A84206930F79}" type="datetimeFigureOut">
               <a:rPr lang="ko-KR" altLang="en-US" smtClean="0"/>
-              <a:t>2023-06-27</a:t>
+              <a:t>2023-06-30</a:t>
             </a:fld>
             <a:endParaRPr lang="ko-KR" altLang="en-US" dirty="0"/>
           </a:p>
@@ -1759,7 +1759,7 @@
           <a:p>
             <a:fld id="{4A5A8114-1E97-441C-9068-A84206930F79}" type="datetimeFigureOut">
               <a:rPr lang="ko-KR" altLang="en-US" smtClean="0"/>
-              <a:t>2023-06-27</a:t>
+              <a:t>2023-06-30</a:t>
             </a:fld>
             <a:endParaRPr lang="ko-KR" altLang="en-US" dirty="0"/>
           </a:p>
@@ -1854,7 +1854,7 @@
           <a:p>
             <a:fld id="{4A5A8114-1E97-441C-9068-A84206930F79}" type="datetimeFigureOut">
               <a:rPr lang="ko-KR" altLang="en-US" smtClean="0"/>
-              <a:t>2023-06-27</a:t>
+              <a:t>2023-06-30</a:t>
             </a:fld>
             <a:endParaRPr lang="ko-KR" altLang="en-US" dirty="0"/>
           </a:p>
@@ -2129,7 +2129,7 @@
           <a:p>
             <a:fld id="{4A5A8114-1E97-441C-9068-A84206930F79}" type="datetimeFigureOut">
               <a:rPr lang="ko-KR" altLang="en-US" smtClean="0"/>
-              <a:t>2023-06-27</a:t>
+              <a:t>2023-06-30</a:t>
             </a:fld>
             <a:endParaRPr lang="ko-KR" altLang="en-US" dirty="0"/>
           </a:p>
@@ -2381,7 +2381,7 @@
           <a:p>
             <a:fld id="{4A5A8114-1E97-441C-9068-A84206930F79}" type="datetimeFigureOut">
               <a:rPr lang="ko-KR" altLang="en-US" smtClean="0"/>
-              <a:t>2023-06-27</a:t>
+              <a:t>2023-06-30</a:t>
             </a:fld>
             <a:endParaRPr lang="ko-KR" altLang="en-US" dirty="0"/>
           </a:p>
@@ -2592,7 +2592,7 @@
           <a:p>
             <a:fld id="{4A5A8114-1E97-441C-9068-A84206930F79}" type="datetimeFigureOut">
               <a:rPr lang="ko-KR" altLang="en-US" smtClean="0"/>
-              <a:t>2023-06-27</a:t>
+              <a:t>2023-06-30</a:t>
             </a:fld>
             <a:endParaRPr lang="ko-KR" altLang="en-US" dirty="0"/>
           </a:p>
@@ -12389,7 +12389,7 @@
         </p:nvCxnSpPr>
         <p:spPr>
           <a:xfrm flipH="1" flipV="1">
-            <a:off x="2169623" y="3117275"/>
+            <a:off x="2108509" y="3227416"/>
             <a:ext cx="4563686" cy="91438"/>
           </a:xfrm>
           <a:prstGeom prst="straightConnector1">
